--- a/Datatbase schema.pptx
+++ b/Datatbase schema.pptx
@@ -5,7 +5,7 @@
     <p:sldMasterId id="2147483648" r:id="rId1"/>
   </p:sldMasterIdLst>
   <p:sldIdLst>
-    <p:sldId id="256" r:id="rId2"/>
+    <p:sldId id="257" r:id="rId2"/>
   </p:sldIdLst>
   <p:sldSz cx="12192000" cy="6858000"/>
   <p:notesSz cx="6858000" cy="9144000"/>
@@ -104,6 +104,11 @@
       </a:defRPr>
     </a:lvl9pPr>
   </p:defaultTextStyle>
+  <p:extLst>
+    <p:ext uri="{EFAFB233-063F-42B5-8137-9DF3F51BA10A}">
+      <p15:sldGuideLst xmlns:p15="http://schemas.microsoft.com/office/powerpoint/2012/main"/>
+    </p:ext>
+  </p:extLst>
 </p:presentation>
 </file>
 
@@ -256,7 +261,7 @@
           <a:p>
             <a:fld id="{EDCA6CD6-2D24-48EC-B110-74F5670AA733}" type="datetimeFigureOut">
               <a:rPr lang="en-AU" smtClean="0"/>
-              <a:t>19/10/2019</a:t>
+              <a:t>1/11/2019</a:t>
             </a:fld>
             <a:endParaRPr lang="en-AU"/>
           </a:p>
@@ -456,7 +461,7 @@
           <a:p>
             <a:fld id="{EDCA6CD6-2D24-48EC-B110-74F5670AA733}" type="datetimeFigureOut">
               <a:rPr lang="en-AU" smtClean="0"/>
-              <a:t>19/10/2019</a:t>
+              <a:t>1/11/2019</a:t>
             </a:fld>
             <a:endParaRPr lang="en-AU"/>
           </a:p>
@@ -666,7 +671,7 @@
           <a:p>
             <a:fld id="{EDCA6CD6-2D24-48EC-B110-74F5670AA733}" type="datetimeFigureOut">
               <a:rPr lang="en-AU" smtClean="0"/>
-              <a:t>19/10/2019</a:t>
+              <a:t>1/11/2019</a:t>
             </a:fld>
             <a:endParaRPr lang="en-AU"/>
           </a:p>
@@ -866,7 +871,7 @@
           <a:p>
             <a:fld id="{EDCA6CD6-2D24-48EC-B110-74F5670AA733}" type="datetimeFigureOut">
               <a:rPr lang="en-AU" smtClean="0"/>
-              <a:t>19/10/2019</a:t>
+              <a:t>1/11/2019</a:t>
             </a:fld>
             <a:endParaRPr lang="en-AU"/>
           </a:p>
@@ -1142,7 +1147,7 @@
           <a:p>
             <a:fld id="{EDCA6CD6-2D24-48EC-B110-74F5670AA733}" type="datetimeFigureOut">
               <a:rPr lang="en-AU" smtClean="0"/>
-              <a:t>19/10/2019</a:t>
+              <a:t>1/11/2019</a:t>
             </a:fld>
             <a:endParaRPr lang="en-AU"/>
           </a:p>
@@ -1410,7 +1415,7 @@
           <a:p>
             <a:fld id="{EDCA6CD6-2D24-48EC-B110-74F5670AA733}" type="datetimeFigureOut">
               <a:rPr lang="en-AU" smtClean="0"/>
-              <a:t>19/10/2019</a:t>
+              <a:t>1/11/2019</a:t>
             </a:fld>
             <a:endParaRPr lang="en-AU"/>
           </a:p>
@@ -1825,7 +1830,7 @@
           <a:p>
             <a:fld id="{EDCA6CD6-2D24-48EC-B110-74F5670AA733}" type="datetimeFigureOut">
               <a:rPr lang="en-AU" smtClean="0"/>
-              <a:t>19/10/2019</a:t>
+              <a:t>1/11/2019</a:t>
             </a:fld>
             <a:endParaRPr lang="en-AU"/>
           </a:p>
@@ -1967,7 +1972,7 @@
           <a:p>
             <a:fld id="{EDCA6CD6-2D24-48EC-B110-74F5670AA733}" type="datetimeFigureOut">
               <a:rPr lang="en-AU" smtClean="0"/>
-              <a:t>19/10/2019</a:t>
+              <a:t>1/11/2019</a:t>
             </a:fld>
             <a:endParaRPr lang="en-AU"/>
           </a:p>
@@ -2080,7 +2085,7 @@
           <a:p>
             <a:fld id="{EDCA6CD6-2D24-48EC-B110-74F5670AA733}" type="datetimeFigureOut">
               <a:rPr lang="en-AU" smtClean="0"/>
-              <a:t>19/10/2019</a:t>
+              <a:t>1/11/2019</a:t>
             </a:fld>
             <a:endParaRPr lang="en-AU"/>
           </a:p>
@@ -2393,7 +2398,7 @@
           <a:p>
             <a:fld id="{EDCA6CD6-2D24-48EC-B110-74F5670AA733}" type="datetimeFigureOut">
               <a:rPr lang="en-AU" smtClean="0"/>
-              <a:t>19/10/2019</a:t>
+              <a:t>1/11/2019</a:t>
             </a:fld>
             <a:endParaRPr lang="en-AU"/>
           </a:p>
@@ -2682,7 +2687,7 @@
           <a:p>
             <a:fld id="{EDCA6CD6-2D24-48EC-B110-74F5670AA733}" type="datetimeFigureOut">
               <a:rPr lang="en-AU" smtClean="0"/>
-              <a:t>19/10/2019</a:t>
+              <a:t>1/11/2019</a:t>
             </a:fld>
             <a:endParaRPr lang="en-AU"/>
           </a:p>
@@ -2925,7 +2930,7 @@
           <a:p>
             <a:fld id="{EDCA6CD6-2D24-48EC-B110-74F5670AA733}" type="datetimeFigureOut">
               <a:rPr lang="en-AU" smtClean="0"/>
-              <a:t>19/10/2019</a:t>
+              <a:t>1/11/2019</a:t>
             </a:fld>
             <a:endParaRPr lang="en-AU"/>
           </a:p>
@@ -3342,53 +3347,12 @@
           <a:chExt cx="0" cy="0"/>
         </a:xfrm>
       </p:grpSpPr>
-      <p:cxnSp>
-        <p:nvCxnSpPr>
-          <p:cNvPr id="22" name="Straight Arrow Connector 21">
-            <a:extLst>
-              <a:ext uri="{FF2B5EF4-FFF2-40B4-BE49-F238E27FC236}">
-                <a16:creationId xmlns:a16="http://schemas.microsoft.com/office/drawing/2014/main" id="{2EC2CDAA-63CD-4C3E-B7FD-AA809316B7AD}"/>
-              </a:ext>
-            </a:extLst>
-          </p:cNvPr>
-          <p:cNvCxnSpPr>
-            <a:cxnSpLocks/>
-          </p:cNvCxnSpPr>
-          <p:nvPr/>
-        </p:nvCxnSpPr>
-        <p:spPr>
-          <a:xfrm flipH="1" flipV="1">
-            <a:off x="7271657" y="717675"/>
-            <a:ext cx="1183231" cy="709867"/>
-          </a:xfrm>
-          <a:prstGeom prst="straightConnector1">
-            <a:avLst/>
-          </a:prstGeom>
-          <a:ln>
-            <a:tailEnd type="triangle"/>
-          </a:ln>
-        </p:spPr>
-        <p:style>
-          <a:lnRef idx="1">
-            <a:schemeClr val="accent1"/>
-          </a:lnRef>
-          <a:fillRef idx="0">
-            <a:schemeClr val="accent1"/>
-          </a:fillRef>
-          <a:effectRef idx="0">
-            <a:schemeClr val="accent1"/>
-          </a:effectRef>
-          <a:fontRef idx="minor">
-            <a:schemeClr val="tx1"/>
-          </a:fontRef>
-        </p:style>
-      </p:cxnSp>
-      <p:sp>
-        <p:nvSpPr>
-          <p:cNvPr id="23" name="TextBox 22">
-            <a:extLst>
-              <a:ext uri="{FF2B5EF4-FFF2-40B4-BE49-F238E27FC236}">
-                <a16:creationId xmlns:a16="http://schemas.microsoft.com/office/drawing/2014/main" id="{C3BE2010-5506-4528-9F6C-CDDA79D06B3C}"/>
+      <p:sp>
+        <p:nvSpPr>
+          <p:cNvPr id="5" name="TextBox 4">
+            <a:extLst>
+              <a:ext uri="{FF2B5EF4-FFF2-40B4-BE49-F238E27FC236}">
+                <a16:creationId xmlns:a16="http://schemas.microsoft.com/office/drawing/2014/main" id="{D830704F-7680-40C8-92F0-68EF5BDD2C71}"/>
               </a:ext>
             </a:extLst>
           </p:cNvPr>
@@ -3397,7 +3361,7 @@
         </p:nvSpPr>
         <p:spPr>
           <a:xfrm>
-            <a:off x="6096001" y="348343"/>
+            <a:off x="3819119" y="653257"/>
             <a:ext cx="5573486" cy="369332"/>
           </a:xfrm>
           <a:prstGeom prst="rect">
@@ -3457,10 +3421,10 @@
       </p:sp>
       <p:sp>
         <p:nvSpPr>
-          <p:cNvPr id="24" name="TextBox 23">
-            <a:extLst>
-              <a:ext uri="{FF2B5EF4-FFF2-40B4-BE49-F238E27FC236}">
-                <a16:creationId xmlns:a16="http://schemas.microsoft.com/office/drawing/2014/main" id="{7CCB8302-CC9C-4658-839C-203F7A44A5B0}"/>
+          <p:cNvPr id="6" name="TextBox 5">
+            <a:extLst>
+              <a:ext uri="{FF2B5EF4-FFF2-40B4-BE49-F238E27FC236}">
+                <a16:creationId xmlns:a16="http://schemas.microsoft.com/office/drawing/2014/main" id="{77F11920-97A9-40BE-8BA8-3D8C139942B9}"/>
               </a:ext>
             </a:extLst>
           </p:cNvPr>
@@ -3469,8 +3433,8 @@
         </p:nvSpPr>
         <p:spPr>
           <a:xfrm>
-            <a:off x="6197600" y="1330746"/>
-            <a:ext cx="5326743" cy="369332"/>
+            <a:off x="3441615" y="1907215"/>
+            <a:ext cx="3404390" cy="369332"/>
           </a:xfrm>
           <a:prstGeom prst="rect">
             <a:avLst/>
@@ -3484,39 +3448,38 @@
           <a:lstStyle/>
           <a:p>
             <a:r>
-              <a:rPr lang="en-US" b="1" dirty="0" err="1"/>
-              <a:t>WorkDone</a:t>
-            </a:r>
-            <a:r>
-              <a:rPr lang="en-US" dirty="0"/>
+              <a:rPr lang="en-AU" b="1" dirty="0" err="1"/>
+              <a:t>TestDone</a:t>
+            </a:r>
+            <a:r>
+              <a:rPr lang="en-AU" dirty="0"/>
               <a:t>(</a:t>
             </a:r>
             <a:r>
-              <a:rPr lang="en-US" u="sng" dirty="0" err="1"/>
-              <a:t>workID</a:t>
-            </a:r>
-            <a:r>
-              <a:rPr lang="en-US" dirty="0"/>
+              <a:rPr lang="en-AU" u="sng" dirty="0" err="1"/>
+              <a:t>testID</a:t>
+            </a:r>
+            <a:r>
+              <a:rPr lang="en-AU" dirty="0"/>
               <a:t>, </a:t>
             </a:r>
             <a:r>
-              <a:rPr lang="en-US" dirty="0" err="1"/>
+              <a:rPr lang="en-AU" u="sng" dirty="0" err="1"/>
               <a:t>studentID</a:t>
             </a:r>
             <a:r>
-              <a:rPr lang="en-US" dirty="0"/>
-              <a:t>, date)</a:t>
-            </a:r>
-            <a:endParaRPr lang="en-AU" dirty="0"/>
-          </a:p>
-        </p:txBody>
-      </p:sp>
-      <p:sp>
-        <p:nvSpPr>
-          <p:cNvPr id="26" name="TextBox 25">
-            <a:extLst>
-              <a:ext uri="{FF2B5EF4-FFF2-40B4-BE49-F238E27FC236}">
-                <a16:creationId xmlns:a16="http://schemas.microsoft.com/office/drawing/2014/main" id="{17521015-7E6D-4FF2-B66F-EF91426205FA}"/>
+              <a:rPr lang="en-AU" dirty="0"/>
+              <a:t>)</a:t>
+            </a:r>
+          </a:p>
+        </p:txBody>
+      </p:sp>
+      <p:sp>
+        <p:nvSpPr>
+          <p:cNvPr id="7" name="TextBox 6">
+            <a:extLst>
+              <a:ext uri="{FF2B5EF4-FFF2-40B4-BE49-F238E27FC236}">
+                <a16:creationId xmlns:a16="http://schemas.microsoft.com/office/drawing/2014/main" id="{2D4B9E6C-EF2A-4F86-A905-1DA2BC3A422B}"/>
               </a:ext>
             </a:extLst>
           </p:cNvPr>
@@ -3525,8 +3488,8 @@
         </p:nvSpPr>
         <p:spPr>
           <a:xfrm>
-            <a:off x="1535817" y="333787"/>
-            <a:ext cx="2503838" cy="369332"/>
+            <a:off x="2000457" y="1367622"/>
+            <a:ext cx="5499321" cy="369332"/>
           </a:xfrm>
           <a:prstGeom prst="rect">
             <a:avLst/>
@@ -3540,8 +3503,8 @@
           <a:lstStyle/>
           <a:p>
             <a:r>
-              <a:rPr lang="en-AU" b="1" dirty="0"/>
-              <a:t>Test</a:t>
+              <a:rPr lang="en-AU" b="1" dirty="0" err="1"/>
+              <a:t>BadgeList</a:t>
             </a:r>
             <a:r>
               <a:rPr lang="en-AU" dirty="0"/>
@@ -3549,15 +3512,15 @@
             </a:r>
             <a:r>
               <a:rPr lang="en-AU" u="sng" dirty="0" err="1"/>
-              <a:t>testID</a:t>
+              <a:t>badgeID</a:t>
             </a:r>
             <a:r>
               <a:rPr lang="en-AU" dirty="0"/>
               <a:t>, </a:t>
             </a:r>
             <a:r>
-              <a:rPr lang="en-AU" dirty="0" err="1"/>
-              <a:t>topicID</a:t>
+              <a:rPr lang="en-AU" u="sng" dirty="0" err="1"/>
+              <a:t>studentID</a:t>
             </a:r>
             <a:r>
               <a:rPr lang="en-AU" dirty="0"/>
@@ -3568,10 +3531,10 @@
       </p:sp>
       <p:sp>
         <p:nvSpPr>
-          <p:cNvPr id="27" name="TextBox 26">
-            <a:extLst>
-              <a:ext uri="{FF2B5EF4-FFF2-40B4-BE49-F238E27FC236}">
-                <a16:creationId xmlns:a16="http://schemas.microsoft.com/office/drawing/2014/main" id="{C40D07AD-02E9-44D4-9843-689943DE8F82}"/>
+          <p:cNvPr id="10" name="TextBox 9">
+            <a:extLst>
+              <a:ext uri="{FF2B5EF4-FFF2-40B4-BE49-F238E27FC236}">
+                <a16:creationId xmlns:a16="http://schemas.microsoft.com/office/drawing/2014/main" id="{223CC134-5C65-4BF4-8AE5-302D93EF45D2}"/>
               </a:ext>
             </a:extLst>
           </p:cNvPr>
@@ -3580,8 +3543,8 @@
         </p:nvSpPr>
         <p:spPr>
           <a:xfrm>
-            <a:off x="784765" y="1118354"/>
-            <a:ext cx="4005943" cy="369332"/>
+            <a:off x="4542150" y="2356648"/>
+            <a:ext cx="3986657" cy="369332"/>
           </a:xfrm>
           <a:prstGeom prst="rect">
             <a:avLst/>
@@ -3595,8 +3558,8 @@
           <a:lstStyle/>
           <a:p>
             <a:r>
-              <a:rPr lang="en-US" b="1" dirty="0"/>
-              <a:t>Topic</a:t>
+              <a:rPr lang="en-US" b="1" dirty="0" err="1"/>
+              <a:t>TopicDone</a:t>
             </a:r>
             <a:r>
               <a:rPr lang="en-US" dirty="0"/>
@@ -3604,7 +3567,7 @@
             </a:r>
             <a:r>
               <a:rPr lang="en-US" u="sng" dirty="0" err="1"/>
-              <a:t>partID</a:t>
+              <a:t>topicID</a:t>
             </a:r>
             <a:r>
               <a:rPr lang="en-US" dirty="0"/>
@@ -3615,11 +3578,15 @@
               <a:t> </a:t>
             </a:r>
             <a:r>
-              <a:rPr lang="en-US" u="sng" dirty="0" err="1"/>
-              <a:t>topicID</a:t>
-            </a:r>
-            <a:r>
-              <a:rPr lang="en-US" u="sng" dirty="0"/>
+              <a:rPr lang="en-AU" u="sng" dirty="0" err="1"/>
+              <a:t>studentID</a:t>
+            </a:r>
+            <a:r>
+              <a:rPr lang="en-AU" dirty="0"/>
+              <a:t>, date</a:t>
+            </a:r>
+            <a:r>
+              <a:rPr lang="en-US" dirty="0"/>
               <a:t>)</a:t>
             </a:r>
             <a:endParaRPr lang="en-AU" dirty="0"/>
@@ -3628,10 +3595,10 @@
       </p:sp>
       <p:sp>
         <p:nvSpPr>
-          <p:cNvPr id="28" name="TextBox 27">
-            <a:extLst>
-              <a:ext uri="{FF2B5EF4-FFF2-40B4-BE49-F238E27FC236}">
-                <a16:creationId xmlns:a16="http://schemas.microsoft.com/office/drawing/2014/main" id="{89700AE1-CB18-4350-819D-F3B6FD538FCD}"/>
+          <p:cNvPr id="13" name="TextBox 12">
+            <a:extLst>
+              <a:ext uri="{FF2B5EF4-FFF2-40B4-BE49-F238E27FC236}">
+                <a16:creationId xmlns:a16="http://schemas.microsoft.com/office/drawing/2014/main" id="{1588EBB8-D3A8-416C-9B68-4C2375871B1F}"/>
               </a:ext>
             </a:extLst>
           </p:cNvPr>
@@ -3640,8 +3607,8 @@
         </p:nvSpPr>
         <p:spPr>
           <a:xfrm>
-            <a:off x="1792263" y="1963392"/>
-            <a:ext cx="3591744" cy="369332"/>
+            <a:off x="6706458" y="2701681"/>
+            <a:ext cx="3825868" cy="369332"/>
           </a:xfrm>
           <a:prstGeom prst="rect">
             <a:avLst/>
@@ -3655,63 +3622,8 @@
           <a:lstStyle/>
           <a:p>
             <a:r>
-              <a:rPr lang="en-AU" b="1" dirty="0" err="1"/>
-              <a:t>BadgeList</a:t>
-            </a:r>
-            <a:r>
-              <a:rPr lang="en-AU" dirty="0"/>
-              <a:t>(</a:t>
-            </a:r>
-            <a:r>
-              <a:rPr lang="en-AU" u="sng" dirty="0" err="1"/>
-              <a:t>badgeID</a:t>
-            </a:r>
-            <a:r>
-              <a:rPr lang="en-AU" dirty="0"/>
-              <a:t>, </a:t>
-            </a:r>
-            <a:r>
-              <a:rPr lang="en-AU" dirty="0" err="1"/>
-              <a:t>badgeType</a:t>
-            </a:r>
-            <a:r>
-              <a:rPr lang="en-AU" dirty="0"/>
-              <a:t>)</a:t>
-            </a:r>
-          </a:p>
-        </p:txBody>
-      </p:sp>
-      <p:sp>
-        <p:nvSpPr>
-          <p:cNvPr id="29" name="TextBox 28">
-            <a:extLst>
-              <a:ext uri="{FF2B5EF4-FFF2-40B4-BE49-F238E27FC236}">
-                <a16:creationId xmlns:a16="http://schemas.microsoft.com/office/drawing/2014/main" id="{D46D4DDF-46FF-40E7-A3E7-79747BFFB508}"/>
-              </a:ext>
-            </a:extLst>
-          </p:cNvPr>
-          <p:cNvSpPr txBox="1"/>
-          <p:nvPr/>
-        </p:nvSpPr>
-        <p:spPr>
-          <a:xfrm>
-            <a:off x="2177143" y="2902857"/>
-            <a:ext cx="4891315" cy="369332"/>
-          </a:xfrm>
-          <a:prstGeom prst="rect">
-            <a:avLst/>
-          </a:prstGeom>
-          <a:noFill/>
-        </p:spPr>
-        <p:txBody>
-          <a:bodyPr wrap="square" rtlCol="0">
-            <a:spAutoFit/>
-          </a:bodyPr>
-          <a:lstStyle/>
-          <a:p>
-            <a:r>
               <a:rPr lang="en-US" b="1" dirty="0" err="1"/>
-              <a:t>BadgeComponent</a:t>
+              <a:t>partDone</a:t>
             </a:r>
             <a:r>
               <a:rPr lang="en-US" dirty="0"/>
@@ -3719,178 +3631,15 @@
             </a:r>
             <a:r>
               <a:rPr lang="en-US" u="sng" dirty="0" err="1"/>
-              <a:t>badgeID</a:t>
+              <a:t>partID</a:t>
             </a:r>
             <a:r>
               <a:rPr lang="en-US" dirty="0"/>
-              <a:t>, </a:t>
-            </a:r>
-            <a:r>
-              <a:rPr lang="en-US" u="sng" dirty="0" err="1"/>
-              <a:t>testID</a:t>
+              <a:t>,</a:t>
             </a:r>
             <a:r>
               <a:rPr lang="en-US" u="sng" dirty="0"/>
-              <a:t>)</a:t>
-            </a:r>
-            <a:endParaRPr lang="en-AU" dirty="0"/>
-          </a:p>
-        </p:txBody>
-      </p:sp>
-      <p:sp>
-        <p:nvSpPr>
-          <p:cNvPr id="30" name="TextBox 29">
-            <a:extLst>
-              <a:ext uri="{FF2B5EF4-FFF2-40B4-BE49-F238E27FC236}">
-                <a16:creationId xmlns:a16="http://schemas.microsoft.com/office/drawing/2014/main" id="{4D094195-3D8F-4C86-9FB2-BC94893112AD}"/>
-              </a:ext>
-            </a:extLst>
-          </p:cNvPr>
-          <p:cNvSpPr txBox="1"/>
-          <p:nvPr/>
-        </p:nvSpPr>
-        <p:spPr>
-          <a:xfrm>
-            <a:off x="2479369" y="3860800"/>
-            <a:ext cx="3120572" cy="369332"/>
-          </a:xfrm>
-          <a:prstGeom prst="rect">
-            <a:avLst/>
-          </a:prstGeom>
-          <a:noFill/>
-        </p:spPr>
-        <p:txBody>
-          <a:bodyPr wrap="square" rtlCol="0">
-            <a:spAutoFit/>
-          </a:bodyPr>
-          <a:lstStyle/>
-          <a:p>
-            <a:r>
-              <a:rPr lang="en-AU" b="1" dirty="0"/>
-              <a:t>Session</a:t>
-            </a:r>
-            <a:r>
-              <a:rPr lang="en-AU" dirty="0"/>
-              <a:t>(</a:t>
-            </a:r>
-            <a:r>
-              <a:rPr lang="en-AU" u="sng" dirty="0" err="1"/>
-              <a:t>sID</a:t>
-            </a:r>
-            <a:r>
-              <a:rPr lang="en-AU" u="sng" dirty="0"/>
-              <a:t>, </a:t>
-            </a:r>
-            <a:r>
-              <a:rPr lang="en-AU" dirty="0" err="1"/>
-              <a:t>sWeekNo</a:t>
-            </a:r>
-            <a:r>
-              <a:rPr lang="en-AU" dirty="0"/>
-              <a:t>, </a:t>
-            </a:r>
-            <a:r>
-              <a:rPr lang="en-AU" dirty="0" err="1"/>
-              <a:t>sType</a:t>
-            </a:r>
-            <a:r>
-              <a:rPr lang="en-AU" dirty="0"/>
-              <a:t>)</a:t>
-            </a:r>
-          </a:p>
-        </p:txBody>
-      </p:sp>
-      <p:sp>
-        <p:nvSpPr>
-          <p:cNvPr id="31" name="TextBox 30">
-            <a:extLst>
-              <a:ext uri="{FF2B5EF4-FFF2-40B4-BE49-F238E27FC236}">
-                <a16:creationId xmlns:a16="http://schemas.microsoft.com/office/drawing/2014/main" id="{E7538B10-6DE0-4D9D-B50A-DE79A79D777F}"/>
-              </a:ext>
-            </a:extLst>
-          </p:cNvPr>
-          <p:cNvSpPr txBox="1"/>
-          <p:nvPr/>
-        </p:nvSpPr>
-        <p:spPr>
-          <a:xfrm>
-            <a:off x="827314" y="4513943"/>
-            <a:ext cx="5370286" cy="369332"/>
-          </a:xfrm>
-          <a:prstGeom prst="rect">
-            <a:avLst/>
-          </a:prstGeom>
-          <a:noFill/>
-        </p:spPr>
-        <p:txBody>
-          <a:bodyPr wrap="square" rtlCol="0">
-            <a:spAutoFit/>
-          </a:bodyPr>
-          <a:lstStyle/>
-          <a:p>
-            <a:r>
-              <a:rPr lang="en-AU" b="1" dirty="0"/>
-              <a:t>Timetable</a:t>
-            </a:r>
-            <a:r>
-              <a:rPr lang="en-AU" dirty="0"/>
-              <a:t>(</a:t>
-            </a:r>
-            <a:r>
-              <a:rPr lang="en-AU" u="sng" dirty="0" err="1"/>
-              <a:t>partID</a:t>
-            </a:r>
-            <a:r>
-              <a:rPr lang="en-AU" u="sng" dirty="0"/>
-              <a:t>, </a:t>
-            </a:r>
-            <a:r>
-              <a:rPr lang="en-AU" u="sng" dirty="0" err="1"/>
-              <a:t>sID</a:t>
-            </a:r>
-            <a:r>
-              <a:rPr lang="en-AU" u="sng" dirty="0"/>
-              <a:t>)</a:t>
-            </a:r>
-            <a:endParaRPr lang="en-AU" dirty="0"/>
-          </a:p>
-        </p:txBody>
-      </p:sp>
-      <p:sp>
-        <p:nvSpPr>
-          <p:cNvPr id="32" name="TextBox 31">
-            <a:extLst>
-              <a:ext uri="{FF2B5EF4-FFF2-40B4-BE49-F238E27FC236}">
-                <a16:creationId xmlns:a16="http://schemas.microsoft.com/office/drawing/2014/main" id="{91FE3728-30C8-4806-A477-BADC0C4F2A6B}"/>
-              </a:ext>
-            </a:extLst>
-          </p:cNvPr>
-          <p:cNvSpPr txBox="1"/>
-          <p:nvPr/>
-        </p:nvSpPr>
-        <p:spPr>
-          <a:xfrm>
-            <a:off x="7271657" y="3860800"/>
-            <a:ext cx="2888343" cy="369332"/>
-          </a:xfrm>
-          <a:prstGeom prst="rect">
-            <a:avLst/>
-          </a:prstGeom>
-          <a:noFill/>
-        </p:spPr>
-        <p:txBody>
-          <a:bodyPr wrap="square" rtlCol="0">
-            <a:spAutoFit/>
-          </a:bodyPr>
-          <a:lstStyle/>
-          <a:p>
-            <a:r>
-              <a:rPr lang="en-AU" b="1" dirty="0" err="1"/>
-              <a:t>Class%d</a:t>
-            </a:r>
-            <a:r>
-              <a:rPr lang="en-AU" dirty="0"/>
-              <a:t>(</a:t>
+              <a:t> </a:t>
             </a:r>
             <a:r>
               <a:rPr lang="en-AU" u="sng" dirty="0" err="1"/>
@@ -3898,37 +3647,32 @@
             </a:r>
             <a:r>
               <a:rPr lang="en-AU" dirty="0"/>
-              <a:t>, </a:t>
-            </a:r>
-            <a:r>
-              <a:rPr lang="en-AU" u="sng" dirty="0" err="1"/>
-              <a:t>sID</a:t>
-            </a:r>
-            <a:r>
-              <a:rPr lang="en-AU" dirty="0"/>
+              <a:t>, date</a:t>
+            </a:r>
+            <a:r>
+              <a:rPr lang="en-US" dirty="0"/>
               <a:t>)</a:t>
             </a:r>
+            <a:endParaRPr lang="en-AU" dirty="0"/>
           </a:p>
         </p:txBody>
       </p:sp>
       <p:cxnSp>
         <p:nvCxnSpPr>
-          <p:cNvPr id="34" name="Straight Arrow Connector 33">
-            <a:extLst>
-              <a:ext uri="{FF2B5EF4-FFF2-40B4-BE49-F238E27FC236}">
-                <a16:creationId xmlns:a16="http://schemas.microsoft.com/office/drawing/2014/main" id="{920C7BF5-5662-4948-A498-3CBACAEC908C}"/>
-              </a:ext>
-            </a:extLst>
-          </p:cNvPr>
-          <p:cNvCxnSpPr>
-            <a:cxnSpLocks/>
-          </p:cNvCxnSpPr>
+          <p:cNvPr id="3" name="Straight Arrow Connector 2">
+            <a:extLst>
+              <a:ext uri="{FF2B5EF4-FFF2-40B4-BE49-F238E27FC236}">
+                <a16:creationId xmlns:a16="http://schemas.microsoft.com/office/drawing/2014/main" id="{29F29E2E-AA3D-4CE3-B90C-7FDF3239C4A3}"/>
+              </a:ext>
+            </a:extLst>
+          </p:cNvPr>
+          <p:cNvCxnSpPr/>
           <p:nvPr/>
         </p:nvCxnSpPr>
         <p:spPr>
           <a:xfrm flipV="1">
-            <a:off x="2351811" y="749022"/>
-            <a:ext cx="500866" cy="415236"/>
+            <a:off x="4437776" y="1010440"/>
+            <a:ext cx="312341" cy="402262"/>
           </a:xfrm>
           <a:prstGeom prst="straightConnector1">
             <a:avLst/>
@@ -3954,10 +3698,10 @@
       </p:cxnSp>
       <p:cxnSp>
         <p:nvCxnSpPr>
-          <p:cNvPr id="36" name="Straight Arrow Connector 35">
-            <a:extLst>
-              <a:ext uri="{FF2B5EF4-FFF2-40B4-BE49-F238E27FC236}">
-                <a16:creationId xmlns:a16="http://schemas.microsoft.com/office/drawing/2014/main" id="{C78D9F51-746E-404C-A0F3-048F6083FA63}"/>
+          <p:cNvPr id="11" name="Straight Arrow Connector 10">
+            <a:extLst>
+              <a:ext uri="{FF2B5EF4-FFF2-40B4-BE49-F238E27FC236}">
+                <a16:creationId xmlns:a16="http://schemas.microsoft.com/office/drawing/2014/main" id="{66DDF17B-DB81-4650-ADA0-684416B12B4A}"/>
               </a:ext>
             </a:extLst>
           </p:cNvPr>
@@ -3966,8 +3710,8 @@
         </p:nvCxnSpPr>
         <p:spPr>
           <a:xfrm flipH="1" flipV="1">
-            <a:off x="3404408" y="2345731"/>
-            <a:ext cx="703073" cy="617639"/>
+            <a:off x="4840448" y="1039055"/>
+            <a:ext cx="771787" cy="868160"/>
           </a:xfrm>
           <a:prstGeom prst="straightConnector1">
             <a:avLst/>
@@ -3993,10 +3737,10 @@
       </p:cxnSp>
       <p:cxnSp>
         <p:nvCxnSpPr>
-          <p:cNvPr id="45" name="Connector: Elbow 44">
-            <a:extLst>
-              <a:ext uri="{FF2B5EF4-FFF2-40B4-BE49-F238E27FC236}">
-                <a16:creationId xmlns:a16="http://schemas.microsoft.com/office/drawing/2014/main" id="{6DA5F447-DED4-48CD-BC32-ACBACBCB0BF1}"/>
+          <p:cNvPr id="15" name="Straight Arrow Connector 14">
+            <a:extLst>
+              <a:ext uri="{FF2B5EF4-FFF2-40B4-BE49-F238E27FC236}">
+                <a16:creationId xmlns:a16="http://schemas.microsoft.com/office/drawing/2014/main" id="{0C8AE874-8C22-4780-AE2A-BC00A3C69209}"/>
               </a:ext>
             </a:extLst>
           </p:cNvPr>
@@ -4004,52 +3748,9 @@
           <p:nvPr/>
         </p:nvCxnSpPr>
         <p:spPr>
-          <a:xfrm rot="16200000" flipV="1">
-            <a:off x="2418474" y="455868"/>
-            <a:ext cx="2598057" cy="2365830"/>
-          </a:xfrm>
-          <a:prstGeom prst="bentConnector3">
-            <a:avLst>
-              <a:gd name="adj1" fmla="val 108101"/>
-            </a:avLst>
-          </a:prstGeom>
-          <a:ln>
-            <a:tailEnd type="triangle"/>
-          </a:ln>
-        </p:spPr>
-        <p:style>
-          <a:lnRef idx="1">
-            <a:schemeClr val="accent1"/>
-          </a:lnRef>
-          <a:fillRef idx="0">
-            <a:schemeClr val="accent1"/>
-          </a:fillRef>
-          <a:effectRef idx="0">
-            <a:schemeClr val="accent1"/>
-          </a:effectRef>
-          <a:fontRef idx="minor">
-            <a:schemeClr val="tx1"/>
-          </a:fontRef>
-        </p:style>
-      </p:cxnSp>
-      <p:cxnSp>
-        <p:nvCxnSpPr>
-          <p:cNvPr id="48" name="Straight Arrow Connector 47">
-            <a:extLst>
-              <a:ext uri="{FF2B5EF4-FFF2-40B4-BE49-F238E27FC236}">
-                <a16:creationId xmlns:a16="http://schemas.microsoft.com/office/drawing/2014/main" id="{B9019394-2FD9-4978-A4EC-22A26113836C}"/>
-              </a:ext>
-            </a:extLst>
-          </p:cNvPr>
-          <p:cNvCxnSpPr>
-            <a:cxnSpLocks/>
-          </p:cNvCxnSpPr>
-          <p:nvPr/>
-        </p:nvCxnSpPr>
-        <p:spPr>
-          <a:xfrm flipV="1">
-            <a:off x="2871720" y="4230132"/>
-            <a:ext cx="616672" cy="283812"/>
+          <a:xfrm flipH="1" flipV="1">
+            <a:off x="4915949" y="1022589"/>
+            <a:ext cx="2021746" cy="1441828"/>
           </a:xfrm>
           <a:prstGeom prst="straightConnector1">
             <a:avLst/>
@@ -4075,10 +3776,10 @@
       </p:cxnSp>
       <p:cxnSp>
         <p:nvCxnSpPr>
-          <p:cNvPr id="60" name="Straight Arrow Connector 59">
-            <a:extLst>
-              <a:ext uri="{FF2B5EF4-FFF2-40B4-BE49-F238E27FC236}">
-                <a16:creationId xmlns:a16="http://schemas.microsoft.com/office/drawing/2014/main" id="{A19172CA-84E2-4CD3-8F27-FB1E63FB48C6}"/>
+          <p:cNvPr id="18" name="Straight Arrow Connector 17">
+            <a:extLst>
+              <a:ext uri="{FF2B5EF4-FFF2-40B4-BE49-F238E27FC236}">
+                <a16:creationId xmlns:a16="http://schemas.microsoft.com/office/drawing/2014/main" id="{D37EAE3B-E8C8-4B18-AB3A-6D0FFC6728E2}"/>
               </a:ext>
             </a:extLst>
           </p:cNvPr>
@@ -4087,8 +3788,436 @@
         </p:nvCxnSpPr>
         <p:spPr>
           <a:xfrm flipH="1" flipV="1">
-            <a:off x="1669143" y="1579493"/>
-            <a:ext cx="508000" cy="2895475"/>
+            <a:off x="4983061" y="1010440"/>
+            <a:ext cx="3827088" cy="1795641"/>
+          </a:xfrm>
+          <a:prstGeom prst="straightConnector1">
+            <a:avLst/>
+          </a:prstGeom>
+          <a:ln>
+            <a:tailEnd type="triangle"/>
+          </a:ln>
+        </p:spPr>
+        <p:style>
+          <a:lnRef idx="1">
+            <a:schemeClr val="accent1"/>
+          </a:lnRef>
+          <a:fillRef idx="0">
+            <a:schemeClr val="accent1"/>
+          </a:fillRef>
+          <a:effectRef idx="0">
+            <a:schemeClr val="accent1"/>
+          </a:effectRef>
+          <a:fontRef idx="minor">
+            <a:schemeClr val="tx1"/>
+          </a:fontRef>
+        </p:style>
+      </p:cxnSp>
+      <p:sp>
+        <p:nvSpPr>
+          <p:cNvPr id="19" name="TextBox 18">
+            <a:extLst>
+              <a:ext uri="{FF2B5EF4-FFF2-40B4-BE49-F238E27FC236}">
+                <a16:creationId xmlns:a16="http://schemas.microsoft.com/office/drawing/2014/main" id="{8F6337CA-F960-4B6F-BE7C-14A04F82D79C}"/>
+              </a:ext>
+            </a:extLst>
+          </p:cNvPr>
+          <p:cNvSpPr txBox="1"/>
+          <p:nvPr/>
+        </p:nvSpPr>
+        <p:spPr>
+          <a:xfrm>
+            <a:off x="809420" y="3329554"/>
+            <a:ext cx="3404390" cy="369332"/>
+          </a:xfrm>
+          <a:prstGeom prst="rect">
+            <a:avLst/>
+          </a:prstGeom>
+          <a:noFill/>
+        </p:spPr>
+        <p:txBody>
+          <a:bodyPr wrap="square" rtlCol="0">
+            <a:spAutoFit/>
+          </a:bodyPr>
+          <a:lstStyle/>
+          <a:p>
+            <a:r>
+              <a:rPr lang="en-AU" b="1" dirty="0"/>
+              <a:t>Test</a:t>
+            </a:r>
+            <a:r>
+              <a:rPr lang="en-AU" dirty="0"/>
+              <a:t>(</a:t>
+            </a:r>
+            <a:r>
+              <a:rPr lang="en-AU" u="sng" dirty="0" err="1"/>
+              <a:t>testID</a:t>
+            </a:r>
+            <a:r>
+              <a:rPr lang="en-AU" dirty="0"/>
+              <a:t>, </a:t>
+            </a:r>
+            <a:r>
+              <a:rPr lang="en-AU" dirty="0" err="1"/>
+              <a:t>testName</a:t>
+            </a:r>
+            <a:r>
+              <a:rPr lang="en-AU" dirty="0"/>
+              <a:t>)</a:t>
+            </a:r>
+          </a:p>
+        </p:txBody>
+      </p:sp>
+      <p:sp>
+        <p:nvSpPr>
+          <p:cNvPr id="20" name="TextBox 19">
+            <a:extLst>
+              <a:ext uri="{FF2B5EF4-FFF2-40B4-BE49-F238E27FC236}">
+                <a16:creationId xmlns:a16="http://schemas.microsoft.com/office/drawing/2014/main" id="{570EE04A-042C-4131-88FE-70FEC3C73225}"/>
+              </a:ext>
+            </a:extLst>
+          </p:cNvPr>
+          <p:cNvSpPr txBox="1"/>
+          <p:nvPr/>
+        </p:nvSpPr>
+        <p:spPr>
+          <a:xfrm>
+            <a:off x="809420" y="3822924"/>
+            <a:ext cx="3404390" cy="369332"/>
+          </a:xfrm>
+          <a:prstGeom prst="rect">
+            <a:avLst/>
+          </a:prstGeom>
+          <a:noFill/>
+        </p:spPr>
+        <p:txBody>
+          <a:bodyPr wrap="square" rtlCol="0">
+            <a:spAutoFit/>
+          </a:bodyPr>
+          <a:lstStyle/>
+          <a:p>
+            <a:r>
+              <a:rPr lang="en-AU" b="1" dirty="0"/>
+              <a:t>Topic</a:t>
+            </a:r>
+            <a:r>
+              <a:rPr lang="en-AU" dirty="0"/>
+              <a:t>(</a:t>
+            </a:r>
+            <a:r>
+              <a:rPr lang="en-AU" u="sng" dirty="0" err="1"/>
+              <a:t>topicID</a:t>
+            </a:r>
+            <a:r>
+              <a:rPr lang="en-AU" dirty="0"/>
+              <a:t>, </a:t>
+            </a:r>
+            <a:r>
+              <a:rPr lang="en-AU" dirty="0" err="1"/>
+              <a:t>topicName</a:t>
+            </a:r>
+            <a:r>
+              <a:rPr lang="en-AU" dirty="0"/>
+              <a:t>)</a:t>
+            </a:r>
+          </a:p>
+        </p:txBody>
+      </p:sp>
+      <p:sp>
+        <p:nvSpPr>
+          <p:cNvPr id="21" name="TextBox 20">
+            <a:extLst>
+              <a:ext uri="{FF2B5EF4-FFF2-40B4-BE49-F238E27FC236}">
+                <a16:creationId xmlns:a16="http://schemas.microsoft.com/office/drawing/2014/main" id="{A54BC9B8-9435-49A4-8B2D-6F1B3B0A0177}"/>
+              </a:ext>
+            </a:extLst>
+          </p:cNvPr>
+          <p:cNvSpPr txBox="1"/>
+          <p:nvPr/>
+        </p:nvSpPr>
+        <p:spPr>
+          <a:xfrm>
+            <a:off x="809420" y="4394666"/>
+            <a:ext cx="3404390" cy="369332"/>
+          </a:xfrm>
+          <a:prstGeom prst="rect">
+            <a:avLst/>
+          </a:prstGeom>
+          <a:noFill/>
+        </p:spPr>
+        <p:txBody>
+          <a:bodyPr wrap="square" rtlCol="0">
+            <a:spAutoFit/>
+          </a:bodyPr>
+          <a:lstStyle/>
+          <a:p>
+            <a:r>
+              <a:rPr lang="en-AU" b="1" dirty="0"/>
+              <a:t>Badge</a:t>
+            </a:r>
+            <a:r>
+              <a:rPr lang="en-AU" dirty="0"/>
+              <a:t>(</a:t>
+            </a:r>
+            <a:r>
+              <a:rPr lang="en-AU" u="sng" dirty="0" err="1"/>
+              <a:t>badgeID</a:t>
+            </a:r>
+            <a:r>
+              <a:rPr lang="en-AU" dirty="0"/>
+              <a:t>, </a:t>
+            </a:r>
+            <a:r>
+              <a:rPr lang="en-AU" dirty="0" err="1"/>
+              <a:t>badgeName</a:t>
+            </a:r>
+            <a:r>
+              <a:rPr lang="en-AU" dirty="0"/>
+              <a:t>)</a:t>
+            </a:r>
+          </a:p>
+        </p:txBody>
+      </p:sp>
+      <p:sp>
+        <p:nvSpPr>
+          <p:cNvPr id="23" name="TextBox 22">
+            <a:extLst>
+              <a:ext uri="{FF2B5EF4-FFF2-40B4-BE49-F238E27FC236}">
+                <a16:creationId xmlns:a16="http://schemas.microsoft.com/office/drawing/2014/main" id="{CDBB8798-2527-457A-9569-0F6868F5DA7C}"/>
+              </a:ext>
+            </a:extLst>
+          </p:cNvPr>
+          <p:cNvSpPr txBox="1"/>
+          <p:nvPr/>
+        </p:nvSpPr>
+        <p:spPr>
+          <a:xfrm>
+            <a:off x="809420" y="4888036"/>
+            <a:ext cx="5506093" cy="369332"/>
+          </a:xfrm>
+          <a:prstGeom prst="rect">
+            <a:avLst/>
+          </a:prstGeom>
+          <a:noFill/>
+        </p:spPr>
+        <p:txBody>
+          <a:bodyPr wrap="square" rtlCol="0">
+            <a:spAutoFit/>
+          </a:bodyPr>
+          <a:lstStyle/>
+          <a:p>
+            <a:r>
+              <a:rPr lang="en-AU" b="1" dirty="0"/>
+              <a:t>Session</a:t>
+            </a:r>
+            <a:r>
+              <a:rPr lang="en-AU" dirty="0"/>
+              <a:t>(</a:t>
+            </a:r>
+            <a:r>
+              <a:rPr lang="en-AU" u="sng" dirty="0" err="1"/>
+              <a:t>sID</a:t>
+            </a:r>
+            <a:r>
+              <a:rPr lang="en-AU" dirty="0"/>
+              <a:t>, </a:t>
+            </a:r>
+            <a:r>
+              <a:rPr lang="en-AU" dirty="0" err="1"/>
+              <a:t>sWeekNo</a:t>
+            </a:r>
+            <a:r>
+              <a:rPr lang="en-AU" dirty="0"/>
+              <a:t>, </a:t>
+            </a:r>
+            <a:r>
+              <a:rPr lang="en-AU" dirty="0" err="1"/>
+              <a:t>sType</a:t>
+            </a:r>
+            <a:r>
+              <a:rPr lang="en-AU" dirty="0"/>
+              <a:t>)</a:t>
+            </a:r>
+          </a:p>
+        </p:txBody>
+      </p:sp>
+      <p:sp>
+        <p:nvSpPr>
+          <p:cNvPr id="24" name="TextBox 23">
+            <a:extLst>
+              <a:ext uri="{FF2B5EF4-FFF2-40B4-BE49-F238E27FC236}">
+                <a16:creationId xmlns:a16="http://schemas.microsoft.com/office/drawing/2014/main" id="{FC5D978F-DA1D-4FA6-819A-EBD431CFDB69}"/>
+              </a:ext>
+            </a:extLst>
+          </p:cNvPr>
+          <p:cNvSpPr txBox="1"/>
+          <p:nvPr/>
+        </p:nvSpPr>
+        <p:spPr>
+          <a:xfrm>
+            <a:off x="724130" y="5859664"/>
+            <a:ext cx="4359598" cy="369332"/>
+          </a:xfrm>
+          <a:prstGeom prst="rect">
+            <a:avLst/>
+          </a:prstGeom>
+          <a:noFill/>
+        </p:spPr>
+        <p:txBody>
+          <a:bodyPr wrap="square" rtlCol="0">
+            <a:spAutoFit/>
+          </a:bodyPr>
+          <a:lstStyle/>
+          <a:p>
+            <a:r>
+              <a:rPr lang="en-AU" b="1" dirty="0"/>
+              <a:t>Timetable</a:t>
+            </a:r>
+            <a:r>
+              <a:rPr lang="en-AU" dirty="0"/>
+              <a:t>(</a:t>
+            </a:r>
+            <a:r>
+              <a:rPr lang="en-AU" u="sng" dirty="0" err="1"/>
+              <a:t>partID</a:t>
+            </a:r>
+            <a:r>
+              <a:rPr lang="en-AU" dirty="0"/>
+              <a:t>,</a:t>
+            </a:r>
+            <a:r>
+              <a:rPr lang="en-AU" u="sng" dirty="0"/>
+              <a:t> </a:t>
+            </a:r>
+            <a:r>
+              <a:rPr lang="en-AU" u="sng" dirty="0" err="1"/>
+              <a:t>sID</a:t>
+            </a:r>
+            <a:r>
+              <a:rPr lang="en-AU" dirty="0"/>
+              <a:t>)</a:t>
+            </a:r>
+          </a:p>
+        </p:txBody>
+      </p:sp>
+      <p:sp>
+        <p:nvSpPr>
+          <p:cNvPr id="25" name="TextBox 24">
+            <a:extLst>
+              <a:ext uri="{FF2B5EF4-FFF2-40B4-BE49-F238E27FC236}">
+                <a16:creationId xmlns:a16="http://schemas.microsoft.com/office/drawing/2014/main" id="{87A0594B-1BB2-4681-BEA7-B8DAF31DB058}"/>
+              </a:ext>
+            </a:extLst>
+          </p:cNvPr>
+          <p:cNvSpPr txBox="1"/>
+          <p:nvPr/>
+        </p:nvSpPr>
+        <p:spPr>
+          <a:xfrm>
+            <a:off x="7234187" y="4703370"/>
+            <a:ext cx="2888343" cy="369332"/>
+          </a:xfrm>
+          <a:prstGeom prst="rect">
+            <a:avLst/>
+          </a:prstGeom>
+          <a:noFill/>
+        </p:spPr>
+        <p:txBody>
+          <a:bodyPr wrap="square" rtlCol="0">
+            <a:spAutoFit/>
+          </a:bodyPr>
+          <a:lstStyle/>
+          <a:p>
+            <a:r>
+              <a:rPr lang="en-AU" b="1" dirty="0" err="1"/>
+              <a:t>Class%d</a:t>
+            </a:r>
+            <a:r>
+              <a:rPr lang="en-AU" dirty="0"/>
+              <a:t>(</a:t>
+            </a:r>
+            <a:r>
+              <a:rPr lang="en-AU" u="sng" dirty="0" err="1"/>
+              <a:t>studentID</a:t>
+            </a:r>
+            <a:r>
+              <a:rPr lang="en-AU" dirty="0"/>
+              <a:t>, </a:t>
+            </a:r>
+            <a:r>
+              <a:rPr lang="en-AU" u="sng" dirty="0" err="1"/>
+              <a:t>sID</a:t>
+            </a:r>
+            <a:r>
+              <a:rPr lang="en-AU" dirty="0"/>
+              <a:t>)</a:t>
+            </a:r>
+          </a:p>
+        </p:txBody>
+      </p:sp>
+      <p:sp>
+        <p:nvSpPr>
+          <p:cNvPr id="26" name="TextBox 25">
+            <a:extLst>
+              <a:ext uri="{FF2B5EF4-FFF2-40B4-BE49-F238E27FC236}">
+                <a16:creationId xmlns:a16="http://schemas.microsoft.com/office/drawing/2014/main" id="{DDE0495C-2111-46DF-BC9F-C542CAD01930}"/>
+              </a:ext>
+            </a:extLst>
+          </p:cNvPr>
+          <p:cNvSpPr txBox="1"/>
+          <p:nvPr/>
+        </p:nvSpPr>
+        <p:spPr>
+          <a:xfrm>
+            <a:off x="7234187" y="4074520"/>
+            <a:ext cx="2888343" cy="369332"/>
+          </a:xfrm>
+          <a:prstGeom prst="rect">
+            <a:avLst/>
+          </a:prstGeom>
+          <a:noFill/>
+        </p:spPr>
+        <p:txBody>
+          <a:bodyPr wrap="square" rtlCol="0">
+            <a:spAutoFit/>
+          </a:bodyPr>
+          <a:lstStyle/>
+          <a:p>
+            <a:r>
+              <a:rPr lang="en-AU" b="1" dirty="0"/>
+              <a:t>Staff</a:t>
+            </a:r>
+            <a:r>
+              <a:rPr lang="en-AU" dirty="0"/>
+              <a:t>(</a:t>
+            </a:r>
+            <a:r>
+              <a:rPr lang="en-AU" u="sng" dirty="0" err="1"/>
+              <a:t>staffID</a:t>
+            </a:r>
+            <a:r>
+              <a:rPr lang="en-AU" dirty="0"/>
+              <a:t>, pass)</a:t>
+            </a:r>
+          </a:p>
+        </p:txBody>
+      </p:sp>
+      <p:cxnSp>
+        <p:nvCxnSpPr>
+          <p:cNvPr id="28" name="Straight Arrow Connector 27">
+            <a:extLst>
+              <a:ext uri="{FF2B5EF4-FFF2-40B4-BE49-F238E27FC236}">
+                <a16:creationId xmlns:a16="http://schemas.microsoft.com/office/drawing/2014/main" id="{1F744CC3-B3AE-4367-9522-292C7C52CBB4}"/>
+              </a:ext>
+            </a:extLst>
+          </p:cNvPr>
+          <p:cNvCxnSpPr/>
+          <p:nvPr/>
+        </p:nvCxnSpPr>
+        <p:spPr>
+          <a:xfrm flipH="1" flipV="1">
+            <a:off x="1862356" y="5257368"/>
+            <a:ext cx="771787" cy="665260"/>
           </a:xfrm>
           <a:prstGeom prst="straightConnector1">
             <a:avLst/>
@@ -4115,7 +4244,7 @@
     </p:spTree>
     <p:extLst>
       <p:ext uri="{BB962C8B-B14F-4D97-AF65-F5344CB8AC3E}">
-        <p14:creationId xmlns:p14="http://schemas.microsoft.com/office/powerpoint/2010/main" val="2672776084"/>
+        <p14:creationId xmlns:p14="http://schemas.microsoft.com/office/powerpoint/2010/main" val="2241274751"/>
       </p:ext>
     </p:extLst>
   </p:cSld>

--- a/Datatbase schema.pptx
+++ b/Datatbase schema.pptx
@@ -261,7 +261,7 @@
           <a:p>
             <a:fld id="{EDCA6CD6-2D24-48EC-B110-74F5670AA733}" type="datetimeFigureOut">
               <a:rPr lang="en-AU" smtClean="0"/>
-              <a:t>1/11/2019</a:t>
+              <a:t>3/11/2019</a:t>
             </a:fld>
             <a:endParaRPr lang="en-AU"/>
           </a:p>
@@ -461,7 +461,7 @@
           <a:p>
             <a:fld id="{EDCA6CD6-2D24-48EC-B110-74F5670AA733}" type="datetimeFigureOut">
               <a:rPr lang="en-AU" smtClean="0"/>
-              <a:t>1/11/2019</a:t>
+              <a:t>3/11/2019</a:t>
             </a:fld>
             <a:endParaRPr lang="en-AU"/>
           </a:p>
@@ -671,7 +671,7 @@
           <a:p>
             <a:fld id="{EDCA6CD6-2D24-48EC-B110-74F5670AA733}" type="datetimeFigureOut">
               <a:rPr lang="en-AU" smtClean="0"/>
-              <a:t>1/11/2019</a:t>
+              <a:t>3/11/2019</a:t>
             </a:fld>
             <a:endParaRPr lang="en-AU"/>
           </a:p>
@@ -871,7 +871,7 @@
           <a:p>
             <a:fld id="{EDCA6CD6-2D24-48EC-B110-74F5670AA733}" type="datetimeFigureOut">
               <a:rPr lang="en-AU" smtClean="0"/>
-              <a:t>1/11/2019</a:t>
+              <a:t>3/11/2019</a:t>
             </a:fld>
             <a:endParaRPr lang="en-AU"/>
           </a:p>
@@ -1147,7 +1147,7 @@
           <a:p>
             <a:fld id="{EDCA6CD6-2D24-48EC-B110-74F5670AA733}" type="datetimeFigureOut">
               <a:rPr lang="en-AU" smtClean="0"/>
-              <a:t>1/11/2019</a:t>
+              <a:t>3/11/2019</a:t>
             </a:fld>
             <a:endParaRPr lang="en-AU"/>
           </a:p>
@@ -1415,7 +1415,7 @@
           <a:p>
             <a:fld id="{EDCA6CD6-2D24-48EC-B110-74F5670AA733}" type="datetimeFigureOut">
               <a:rPr lang="en-AU" smtClean="0"/>
-              <a:t>1/11/2019</a:t>
+              <a:t>3/11/2019</a:t>
             </a:fld>
             <a:endParaRPr lang="en-AU"/>
           </a:p>
@@ -1830,7 +1830,7 @@
           <a:p>
             <a:fld id="{EDCA6CD6-2D24-48EC-B110-74F5670AA733}" type="datetimeFigureOut">
               <a:rPr lang="en-AU" smtClean="0"/>
-              <a:t>1/11/2019</a:t>
+              <a:t>3/11/2019</a:t>
             </a:fld>
             <a:endParaRPr lang="en-AU"/>
           </a:p>
@@ -1972,7 +1972,7 @@
           <a:p>
             <a:fld id="{EDCA6CD6-2D24-48EC-B110-74F5670AA733}" type="datetimeFigureOut">
               <a:rPr lang="en-AU" smtClean="0"/>
-              <a:t>1/11/2019</a:t>
+              <a:t>3/11/2019</a:t>
             </a:fld>
             <a:endParaRPr lang="en-AU"/>
           </a:p>
@@ -2085,7 +2085,7 @@
           <a:p>
             <a:fld id="{EDCA6CD6-2D24-48EC-B110-74F5670AA733}" type="datetimeFigureOut">
               <a:rPr lang="en-AU" smtClean="0"/>
-              <a:t>1/11/2019</a:t>
+              <a:t>3/11/2019</a:t>
             </a:fld>
             <a:endParaRPr lang="en-AU"/>
           </a:p>
@@ -2398,7 +2398,7 @@
           <a:p>
             <a:fld id="{EDCA6CD6-2D24-48EC-B110-74F5670AA733}" type="datetimeFigureOut">
               <a:rPr lang="en-AU" smtClean="0"/>
-              <a:t>1/11/2019</a:t>
+              <a:t>3/11/2019</a:t>
             </a:fld>
             <a:endParaRPr lang="en-AU"/>
           </a:p>
@@ -2687,7 +2687,7 @@
           <a:p>
             <a:fld id="{EDCA6CD6-2D24-48EC-B110-74F5670AA733}" type="datetimeFigureOut">
               <a:rPr lang="en-AU" smtClean="0"/>
-              <a:t>1/11/2019</a:t>
+              <a:t>3/11/2019</a:t>
             </a:fld>
             <a:endParaRPr lang="en-AU"/>
           </a:p>
@@ -2930,7 +2930,7 @@
           <a:p>
             <a:fld id="{EDCA6CD6-2D24-48EC-B110-74F5670AA733}" type="datetimeFigureOut">
               <a:rPr lang="en-AU" smtClean="0"/>
-              <a:t>1/11/2019</a:t>
+              <a:t>3/11/2019</a:t>
             </a:fld>
             <a:endParaRPr lang="en-AU"/>
           </a:p>
@@ -3361,7 +3361,7 @@
         </p:nvSpPr>
         <p:spPr>
           <a:xfrm>
-            <a:off x="3819119" y="653257"/>
+            <a:off x="4146290" y="444338"/>
             <a:ext cx="5573486" cy="369332"/>
           </a:xfrm>
           <a:prstGeom prst="rect">
@@ -3433,7 +3433,7 @@
         </p:nvSpPr>
         <p:spPr>
           <a:xfrm>
-            <a:off x="3441615" y="1907215"/>
+            <a:off x="3768786" y="1698296"/>
             <a:ext cx="3404390" cy="369332"/>
           </a:xfrm>
           <a:prstGeom prst="rect">
@@ -3488,7 +3488,7 @@
         </p:nvSpPr>
         <p:spPr>
           <a:xfrm>
-            <a:off x="2000457" y="1367622"/>
+            <a:off x="2327628" y="1158703"/>
             <a:ext cx="5499321" cy="369332"/>
           </a:xfrm>
           <a:prstGeom prst="rect">
@@ -3543,7 +3543,7 @@
         </p:nvSpPr>
         <p:spPr>
           <a:xfrm>
-            <a:off x="4542150" y="2356648"/>
+            <a:off x="4869321" y="2147729"/>
             <a:ext cx="3986657" cy="369332"/>
           </a:xfrm>
           <a:prstGeom prst="rect">
@@ -3607,7 +3607,7 @@
         </p:nvSpPr>
         <p:spPr>
           <a:xfrm>
-            <a:off x="6706458" y="2701681"/>
+            <a:off x="7033629" y="2492762"/>
             <a:ext cx="3825868" cy="369332"/>
           </a:xfrm>
           <a:prstGeom prst="rect">
@@ -3671,7 +3671,7 @@
         </p:nvCxnSpPr>
         <p:spPr>
           <a:xfrm flipV="1">
-            <a:off x="4437776" y="1010440"/>
+            <a:off x="4764947" y="801521"/>
             <a:ext cx="312341" cy="402262"/>
           </a:xfrm>
           <a:prstGeom prst="straightConnector1">
@@ -3710,7 +3710,7 @@
         </p:nvCxnSpPr>
         <p:spPr>
           <a:xfrm flipH="1" flipV="1">
-            <a:off x="4840448" y="1039055"/>
+            <a:off x="5167619" y="830136"/>
             <a:ext cx="771787" cy="868160"/>
           </a:xfrm>
           <a:prstGeom prst="straightConnector1">
@@ -3749,7 +3749,7 @@
         </p:nvCxnSpPr>
         <p:spPr>
           <a:xfrm flipH="1" flipV="1">
-            <a:off x="4915949" y="1022589"/>
+            <a:off x="5243120" y="813670"/>
             <a:ext cx="2021746" cy="1441828"/>
           </a:xfrm>
           <a:prstGeom prst="straightConnector1">
@@ -3788,7 +3788,7 @@
         </p:nvCxnSpPr>
         <p:spPr>
           <a:xfrm flipH="1" flipV="1">
-            <a:off x="4983061" y="1010440"/>
+            <a:off x="5310232" y="801521"/>
             <a:ext cx="3827088" cy="1795641"/>
           </a:xfrm>
           <a:prstGeom prst="straightConnector1">
@@ -3993,7 +3993,7 @@
         <p:spPr>
           <a:xfrm>
             <a:off x="809420" y="4888036"/>
-            <a:ext cx="5506093" cy="369332"/>
+            <a:ext cx="3009699" cy="369332"/>
           </a:xfrm>
           <a:prstGeom prst="rect">
             <a:avLst/>
@@ -4114,7 +4114,7 @@
         </p:nvSpPr>
         <p:spPr>
           <a:xfrm>
-            <a:off x="7234187" y="4703370"/>
+            <a:off x="7223776" y="4912914"/>
             <a:ext cx="2888343" cy="369332"/>
           </a:xfrm>
           <a:prstGeom prst="rect">
@@ -4129,8 +4129,8 @@
           <a:lstStyle/>
           <a:p>
             <a:r>
-              <a:rPr lang="en-AU" b="1" dirty="0" err="1"/>
-              <a:t>Class%d</a:t>
+              <a:rPr lang="en-AU" b="1" dirty="0"/>
+              <a:t>Class1</a:t>
             </a:r>
             <a:r>
               <a:rPr lang="en-AU" dirty="0"/>
@@ -4169,7 +4169,7 @@
         </p:nvSpPr>
         <p:spPr>
           <a:xfrm>
-            <a:off x="7234187" y="4074520"/>
+            <a:off x="7234187" y="4410650"/>
             <a:ext cx="2888343" cy="369332"/>
           </a:xfrm>
           <a:prstGeom prst="rect">
@@ -4241,6 +4241,226 @@
           </a:fontRef>
         </p:style>
       </p:cxnSp>
+      <p:sp>
+        <p:nvSpPr>
+          <p:cNvPr id="22" name="TextBox 21">
+            <a:extLst>
+              <a:ext uri="{FF2B5EF4-FFF2-40B4-BE49-F238E27FC236}">
+                <a16:creationId xmlns:a16="http://schemas.microsoft.com/office/drawing/2014/main" id="{F8876AD1-409E-450F-A487-F4EC0B3BA5B0}"/>
+              </a:ext>
+            </a:extLst>
+          </p:cNvPr>
+          <p:cNvSpPr txBox="1"/>
+          <p:nvPr/>
+        </p:nvSpPr>
+        <p:spPr>
+          <a:xfrm>
+            <a:off x="7214552" y="5177846"/>
+            <a:ext cx="2888343" cy="369332"/>
+          </a:xfrm>
+          <a:prstGeom prst="rect">
+            <a:avLst/>
+          </a:prstGeom>
+          <a:noFill/>
+        </p:spPr>
+        <p:txBody>
+          <a:bodyPr wrap="square" rtlCol="0">
+            <a:spAutoFit/>
+          </a:bodyPr>
+          <a:lstStyle/>
+          <a:p>
+            <a:r>
+              <a:rPr lang="en-AU" b="1" dirty="0"/>
+              <a:t>Class2</a:t>
+            </a:r>
+            <a:r>
+              <a:rPr lang="en-AU" dirty="0"/>
+              <a:t>(</a:t>
+            </a:r>
+            <a:r>
+              <a:rPr lang="en-AU" u="sng" dirty="0" err="1"/>
+              <a:t>studentID</a:t>
+            </a:r>
+            <a:r>
+              <a:rPr lang="en-AU" dirty="0"/>
+              <a:t>, </a:t>
+            </a:r>
+            <a:r>
+              <a:rPr lang="en-AU" u="sng" dirty="0" err="1"/>
+              <a:t>sID</a:t>
+            </a:r>
+            <a:r>
+              <a:rPr lang="en-AU" dirty="0"/>
+              <a:t>)</a:t>
+            </a:r>
+          </a:p>
+        </p:txBody>
+      </p:sp>
+      <p:sp>
+        <p:nvSpPr>
+          <p:cNvPr id="27" name="TextBox 26">
+            <a:extLst>
+              <a:ext uri="{FF2B5EF4-FFF2-40B4-BE49-F238E27FC236}">
+                <a16:creationId xmlns:a16="http://schemas.microsoft.com/office/drawing/2014/main" id="{25D9ABA4-27AE-445C-B7FD-5A2CBF909B9B}"/>
+              </a:ext>
+            </a:extLst>
+          </p:cNvPr>
+          <p:cNvSpPr txBox="1"/>
+          <p:nvPr/>
+        </p:nvSpPr>
+        <p:spPr>
+          <a:xfrm>
+            <a:off x="7214552" y="5489622"/>
+            <a:ext cx="2888343" cy="369332"/>
+          </a:xfrm>
+          <a:prstGeom prst="rect">
+            <a:avLst/>
+          </a:prstGeom>
+          <a:noFill/>
+        </p:spPr>
+        <p:txBody>
+          <a:bodyPr wrap="square" rtlCol="0">
+            <a:spAutoFit/>
+          </a:bodyPr>
+          <a:lstStyle/>
+          <a:p>
+            <a:r>
+              <a:rPr lang="en-AU" b="1" dirty="0"/>
+              <a:t>Class3</a:t>
+            </a:r>
+            <a:r>
+              <a:rPr lang="en-AU" dirty="0"/>
+              <a:t>(</a:t>
+            </a:r>
+            <a:r>
+              <a:rPr lang="en-AU" u="sng" dirty="0" err="1"/>
+              <a:t>studentID</a:t>
+            </a:r>
+            <a:r>
+              <a:rPr lang="en-AU" dirty="0"/>
+              <a:t>, </a:t>
+            </a:r>
+            <a:r>
+              <a:rPr lang="en-AU" u="sng" dirty="0" err="1"/>
+              <a:t>sID</a:t>
+            </a:r>
+            <a:r>
+              <a:rPr lang="en-AU" dirty="0"/>
+              <a:t>)</a:t>
+            </a:r>
+          </a:p>
+        </p:txBody>
+      </p:sp>
+      <p:sp>
+        <p:nvSpPr>
+          <p:cNvPr id="29" name="TextBox 28">
+            <a:extLst>
+              <a:ext uri="{FF2B5EF4-FFF2-40B4-BE49-F238E27FC236}">
+                <a16:creationId xmlns:a16="http://schemas.microsoft.com/office/drawing/2014/main" id="{E97D51CA-AC32-4062-BC69-000BB6C06236}"/>
+              </a:ext>
+            </a:extLst>
+          </p:cNvPr>
+          <p:cNvSpPr txBox="1"/>
+          <p:nvPr/>
+        </p:nvSpPr>
+        <p:spPr>
+          <a:xfrm>
+            <a:off x="7214552" y="5772796"/>
+            <a:ext cx="2888343" cy="369332"/>
+          </a:xfrm>
+          <a:prstGeom prst="rect">
+            <a:avLst/>
+          </a:prstGeom>
+          <a:noFill/>
+        </p:spPr>
+        <p:txBody>
+          <a:bodyPr wrap="square" rtlCol="0">
+            <a:spAutoFit/>
+          </a:bodyPr>
+          <a:lstStyle/>
+          <a:p>
+            <a:r>
+              <a:rPr lang="en-AU" b="1" dirty="0"/>
+              <a:t>Class4</a:t>
+            </a:r>
+            <a:r>
+              <a:rPr lang="en-AU" dirty="0"/>
+              <a:t>(</a:t>
+            </a:r>
+            <a:r>
+              <a:rPr lang="en-AU" u="sng" dirty="0" err="1"/>
+              <a:t>studentID</a:t>
+            </a:r>
+            <a:r>
+              <a:rPr lang="en-AU" dirty="0"/>
+              <a:t>, </a:t>
+            </a:r>
+            <a:r>
+              <a:rPr lang="en-AU" u="sng" dirty="0" err="1"/>
+              <a:t>sID</a:t>
+            </a:r>
+            <a:r>
+              <a:rPr lang="en-AU" dirty="0"/>
+              <a:t>)</a:t>
+            </a:r>
+          </a:p>
+        </p:txBody>
+      </p:sp>
+      <p:sp>
+        <p:nvSpPr>
+          <p:cNvPr id="30" name="TextBox 29">
+            <a:extLst>
+              <a:ext uri="{FF2B5EF4-FFF2-40B4-BE49-F238E27FC236}">
+                <a16:creationId xmlns:a16="http://schemas.microsoft.com/office/drawing/2014/main" id="{AD9B8B3E-7336-4D8F-BB43-0115EEEEF745}"/>
+              </a:ext>
+            </a:extLst>
+          </p:cNvPr>
+          <p:cNvSpPr txBox="1"/>
+          <p:nvPr/>
+        </p:nvSpPr>
+        <p:spPr>
+          <a:xfrm>
+            <a:off x="7234187" y="6107294"/>
+            <a:ext cx="2888343" cy="369332"/>
+          </a:xfrm>
+          <a:prstGeom prst="rect">
+            <a:avLst/>
+          </a:prstGeom>
+          <a:noFill/>
+        </p:spPr>
+        <p:txBody>
+          <a:bodyPr wrap="square" rtlCol="0">
+            <a:spAutoFit/>
+          </a:bodyPr>
+          <a:lstStyle/>
+          <a:p>
+            <a:r>
+              <a:rPr lang="en-AU" b="1" dirty="0"/>
+              <a:t>Class5</a:t>
+            </a:r>
+            <a:r>
+              <a:rPr lang="en-AU" dirty="0"/>
+              <a:t>(</a:t>
+            </a:r>
+            <a:r>
+              <a:rPr lang="en-AU" u="sng" dirty="0" err="1"/>
+              <a:t>studentID</a:t>
+            </a:r>
+            <a:r>
+              <a:rPr lang="en-AU" dirty="0"/>
+              <a:t>, </a:t>
+            </a:r>
+            <a:r>
+              <a:rPr lang="en-AU" u="sng" dirty="0" err="1"/>
+              <a:t>sID</a:t>
+            </a:r>
+            <a:r>
+              <a:rPr lang="en-AU" dirty="0"/>
+              <a:t>)</a:t>
+            </a:r>
+          </a:p>
+        </p:txBody>
+      </p:sp>
     </p:spTree>
     <p:extLst>
       <p:ext uri="{BB962C8B-B14F-4D97-AF65-F5344CB8AC3E}">
